--- a/Sustainable living refers to a lifestyle that minimizes the use of natural resources and personal resources. (2).pptx
+++ b/Sustainable living refers to a lifestyle that minimizes the use of natural resources and personal resources. (2).pptx
@@ -25,33 +25,34 @@
     <p:sldId id="273" r:id="rId19"/>
     <p:sldId id="274" r:id="rId20"/>
     <p:sldId id="275" r:id="rId21"/>
-    <p:sldId id="266" r:id="rId22"/>
+    <p:sldId id="278" r:id="rId22"/>
+    <p:sldId id="266" r:id="rId23"/>
   </p:sldIdLst>
   <p:sldSz cx="18288000" cy="10287000"/>
   <p:notesSz cx="6858000" cy="9144000"/>
   <p:embeddedFontLst>
     <p:embeddedFont>
       <p:font typeface="Archivo Black" panose="020B0604020202020204" charset="0"/>
-      <p:regular r:id="rId23"/>
+      <p:regular r:id="rId24"/>
     </p:embeddedFont>
     <p:embeddedFont>
       <p:font typeface="Canva Sans" panose="020B0604020202020204" charset="0"/>
-      <p:regular r:id="rId24"/>
+      <p:regular r:id="rId25"/>
     </p:embeddedFont>
     <p:embeddedFont>
       <p:font typeface="Canva Sans Bold" panose="020B0604020202020204" charset="0"/>
-      <p:regular r:id="rId25"/>
+      <p:regular r:id="rId26"/>
     </p:embeddedFont>
     <p:embeddedFont>
       <p:font typeface="Gill Sans Display Ultra-Bold" panose="020B0604020202020204" charset="0"/>
-      <p:regular r:id="rId26"/>
+      <p:regular r:id="rId27"/>
     </p:embeddedFont>
     <p:embeddedFont>
       <p:font typeface="Lato" panose="020F0502020204030203" pitchFamily="34" charset="0"/>
-      <p:regular r:id="rId27"/>
-      <p:bold r:id="rId28"/>
-      <p:italic r:id="rId29"/>
-      <p:boldItalic r:id="rId30"/>
+      <p:regular r:id="rId28"/>
+      <p:bold r:id="rId29"/>
+      <p:italic r:id="rId30"/>
+      <p:boldItalic r:id="rId31"/>
     </p:embeddedFont>
   </p:embeddedFontLst>
   <p:defaultTextStyle>
@@ -14895,7 +14896,7 @@
             <a:pPr algn="ctr"/>
             <a:r>
               <a:rPr lang="en-US" sz="4800" dirty="0"/>
-              <a:t>Link</a:t>
+              <a:t>Link: Ctrl + Click</a:t>
             </a:r>
             <a:endParaRPr lang="en-IN" sz="4800" dirty="0"/>
           </a:p>
@@ -16553,7 +16554,7 @@
         <p:spPr>
           <a:xfrm>
             <a:off x="0" y="2476500"/>
-            <a:ext cx="17664017" cy="5716437"/>
+            <a:ext cx="17664017" cy="6998839"/>
           </a:xfrm>
           <a:prstGeom prst="rect">
             <a:avLst/>
@@ -16586,17 +16587,21 @@
             </a:r>
             <a:r>
               <a:rPr lang="en-US" sz="3200" i="1" dirty="0"/>
-              <a:t>National Water Footprint Accounts: The Green, Blue and Grey Water Footprint of Production and Consumption —Hoekstra, A.Y. &amp; Mekonnen, M.M. (2011, expanded 2012 PNAS)</a:t>
+              <a:t>National Water Footprint Accounts: The Green, Blue and Grey Water Footprint of Production and Consumption —Hoekstra, A.Y. &amp; Mekonnen, M.M. (2011, expanded 2012 PNAS) </a:t>
             </a:r>
-            <a:endParaRPr lang="en-US" sz="3200" dirty="0">
-              <a:solidFill>
-                <a:srgbClr val="000000"/>
-              </a:solidFill>
-              <a:latin typeface="Canva Sans"/>
-              <a:ea typeface="Canva Sans"/>
-              <a:cs typeface="Canva Sans"/>
-              <a:sym typeface="Canva Sans"/>
-            </a:endParaRPr>
+            <a:r>
+              <a:rPr lang="en-US" sz="3200" i="1" dirty="0" err="1">
+                <a:hlinkClick r:id="rId6" action="ppaction://hlinkfile"/>
+              </a:rPr>
+              <a:t>Waterfootprint</a:t>
+            </a:r>
+            <a:r>
+              <a:rPr lang="en-US" sz="3200" i="1" dirty="0">
+                <a:hlinkClick r:id="rId6" action="ppaction://hlinkfile"/>
+              </a:rPr>
+              <a:t> datalink</a:t>
+            </a:r>
+            <a:endParaRPr lang="en-US" sz="3200" i="1" dirty="0"/>
           </a:p>
           <a:p>
             <a:pPr marL="388620" lvl="1">
@@ -16657,6 +16662,67 @@
             </a:endParaRPr>
           </a:p>
           <a:p>
+            <a:pPr marL="845820" lvl="1" indent="-457200">
+              <a:lnSpc>
+                <a:spcPts val="5040"/>
+              </a:lnSpc>
+              <a:buFont typeface="Arial" panose="020B0604020202020204" pitchFamily="34" charset="0"/>
+              <a:buChar char="•"/>
+            </a:pPr>
+            <a:endParaRPr lang="en-US" sz="3200" dirty="0">
+              <a:solidFill>
+                <a:srgbClr val="000000"/>
+              </a:solidFill>
+              <a:latin typeface="Canva Sans"/>
+              <a:ea typeface="Canva Sans"/>
+              <a:cs typeface="Canva Sans"/>
+              <a:sym typeface="Canva Sans"/>
+            </a:endParaRPr>
+          </a:p>
+          <a:p>
+            <a:pPr marL="845820" lvl="1" indent="-457200">
+              <a:lnSpc>
+                <a:spcPts val="5040"/>
+              </a:lnSpc>
+              <a:buFont typeface="Arial" panose="020B0604020202020204" pitchFamily="34" charset="0"/>
+              <a:buChar char="•"/>
+            </a:pPr>
+            <a:r>
+              <a:rPr lang="en-US" sz="3200" dirty="0">
+                <a:solidFill>
+                  <a:srgbClr val="000000"/>
+                </a:solidFill>
+                <a:latin typeface="Canva Sans"/>
+                <a:ea typeface="Canva Sans"/>
+                <a:cs typeface="Canva Sans"/>
+                <a:sym typeface="Canva Sans"/>
+              </a:rPr>
+              <a:t>Companies Dataset with Sales and other Values – </a:t>
+            </a:r>
+            <a:r>
+              <a:rPr lang="en-US" sz="3200" dirty="0">
+                <a:solidFill>
+                  <a:srgbClr val="000000"/>
+                </a:solidFill>
+                <a:latin typeface="Canva Sans"/>
+                <a:ea typeface="Canva Sans"/>
+                <a:cs typeface="Canva Sans"/>
+                <a:sym typeface="Canva Sans"/>
+                <a:hlinkClick r:id="rId7" action="ppaction://hlinkfile"/>
+              </a:rPr>
+              <a:t>Companies Dataset</a:t>
+            </a:r>
+            <a:endParaRPr lang="en-US" sz="3200" dirty="0">
+              <a:solidFill>
+                <a:srgbClr val="000000"/>
+              </a:solidFill>
+              <a:latin typeface="Canva Sans"/>
+              <a:ea typeface="Canva Sans"/>
+              <a:cs typeface="Canva Sans"/>
+              <a:sym typeface="Canva Sans"/>
+            </a:endParaRPr>
+          </a:p>
+          <a:p>
             <a:pPr marL="388620" lvl="1">
               <a:lnSpc>
                 <a:spcPts val="5040"/>
@@ -16793,6 +16859,403 @@
 </file>
 
 <file path=ppt/slides/slide21.xml><?xml version="1.0" encoding="utf-8"?>
+<p:sld xmlns:a="http://schemas.openxmlformats.org/drawingml/2006/main" xmlns:r="http://schemas.openxmlformats.org/officeDocument/2006/relationships" xmlns:p="http://schemas.openxmlformats.org/presentationml/2006/main">
+  <p:cSld>
+    <p:spTree>
+      <p:nvGrpSpPr>
+        <p:cNvPr id="1" name="">
+          <a:extLst>
+            <a:ext uri="{FF2B5EF4-FFF2-40B4-BE49-F238E27FC236}">
+              <a16:creationId xmlns:a16="http://schemas.microsoft.com/office/drawing/2014/main" id="{D648C96E-A0FD-5CED-3D5D-15A4ECDE46BA}"/>
+            </a:ext>
+          </a:extLst>
+        </p:cNvPr>
+        <p:cNvGrpSpPr/>
+        <p:nvPr/>
+      </p:nvGrpSpPr>
+      <p:grpSpPr>
+        <a:xfrm>
+          <a:off x="0" y="0"/>
+          <a:ext cx="0" cy="0"/>
+          <a:chOff x="0" y="0"/>
+          <a:chExt cx="0" cy="0"/>
+        </a:xfrm>
+      </p:grpSpPr>
+      <p:sp>
+        <p:nvSpPr>
+          <p:cNvPr id="2" name="Freeform 2">
+            <a:extLst>
+              <a:ext uri="{FF2B5EF4-FFF2-40B4-BE49-F238E27FC236}">
+                <a16:creationId xmlns:a16="http://schemas.microsoft.com/office/drawing/2014/main" id="{40426877-C9A3-62D3-F724-909EB0D64F26}"/>
+              </a:ext>
+            </a:extLst>
+          </p:cNvPr>
+          <p:cNvSpPr/>
+          <p:nvPr/>
+        </p:nvSpPr>
+        <p:spPr>
+          <a:xfrm rot="5400000">
+            <a:off x="546359" y="-309756"/>
+            <a:ext cx="1245784" cy="2338502"/>
+          </a:xfrm>
+          <a:custGeom>
+            <a:avLst/>
+            <a:gdLst/>
+            <a:ahLst/>
+            <a:cxnLst/>
+            <a:rect l="l" t="t" r="r" b="b"/>
+            <a:pathLst>
+              <a:path w="1245784" h="2338502">
+                <a:moveTo>
+                  <a:pt x="0" y="0"/>
+                </a:moveTo>
+                <a:lnTo>
+                  <a:pt x="1245784" y="0"/>
+                </a:lnTo>
+                <a:lnTo>
+                  <a:pt x="1245784" y="2338502"/>
+                </a:lnTo>
+                <a:lnTo>
+                  <a:pt x="0" y="2338502"/>
+                </a:lnTo>
+                <a:lnTo>
+                  <a:pt x="0" y="0"/>
+                </a:lnTo>
+                <a:close/>
+              </a:path>
+            </a:pathLst>
+          </a:custGeom>
+          <a:blipFill>
+            <a:blip r:embed="rId2">
+              <a:extLst>
+                <a:ext uri="{96DAC541-7B7A-43D3-8B79-37D633B846F1}">
+                  <asvg:svgBlip xmlns:asvg="http://schemas.microsoft.com/office/drawing/2016/SVG/main" r:embed="rId3"/>
+                </a:ext>
+              </a:extLst>
+            </a:blip>
+            <a:stretch>
+              <a:fillRect/>
+            </a:stretch>
+          </a:blipFill>
+        </p:spPr>
+      </p:sp>
+      <p:sp>
+        <p:nvSpPr>
+          <p:cNvPr id="4" name="Freeform 4">
+            <a:extLst>
+              <a:ext uri="{FF2B5EF4-FFF2-40B4-BE49-F238E27FC236}">
+                <a16:creationId xmlns:a16="http://schemas.microsoft.com/office/drawing/2014/main" id="{173D4723-D639-04FF-01F2-79BDAF379E4F}"/>
+              </a:ext>
+            </a:extLst>
+          </p:cNvPr>
+          <p:cNvSpPr/>
+          <p:nvPr/>
+        </p:nvSpPr>
+        <p:spPr>
+          <a:xfrm>
+            <a:off x="12814572" y="0"/>
+            <a:ext cx="5473428" cy="1482387"/>
+          </a:xfrm>
+          <a:custGeom>
+            <a:avLst/>
+            <a:gdLst/>
+            <a:ahLst/>
+            <a:cxnLst/>
+            <a:rect l="l" t="t" r="r" b="b"/>
+            <a:pathLst>
+              <a:path w="5473428" h="1482387">
+                <a:moveTo>
+                  <a:pt x="0" y="0"/>
+                </a:moveTo>
+                <a:lnTo>
+                  <a:pt x="5473428" y="0"/>
+                </a:lnTo>
+                <a:lnTo>
+                  <a:pt x="5473428" y="1482387"/>
+                </a:lnTo>
+                <a:lnTo>
+                  <a:pt x="0" y="1482387"/>
+                </a:lnTo>
+                <a:lnTo>
+                  <a:pt x="0" y="0"/>
+                </a:lnTo>
+                <a:close/>
+              </a:path>
+            </a:pathLst>
+          </a:custGeom>
+          <a:blipFill>
+            <a:blip r:embed="rId4"/>
+            <a:stretch>
+              <a:fillRect/>
+            </a:stretch>
+          </a:blipFill>
+        </p:spPr>
+      </p:sp>
+      <p:sp>
+        <p:nvSpPr>
+          <p:cNvPr id="5" name="Freeform 5">
+            <a:extLst>
+              <a:ext uri="{FF2B5EF4-FFF2-40B4-BE49-F238E27FC236}">
+                <a16:creationId xmlns:a16="http://schemas.microsoft.com/office/drawing/2014/main" id="{0DF2F0BE-71C5-6C43-D7FA-56D9727C2817}"/>
+              </a:ext>
+            </a:extLst>
+          </p:cNvPr>
+          <p:cNvSpPr/>
+          <p:nvPr/>
+        </p:nvSpPr>
+        <p:spPr>
+          <a:xfrm>
+            <a:off x="15551286" y="8572365"/>
+            <a:ext cx="2782369" cy="1714635"/>
+          </a:xfrm>
+          <a:custGeom>
+            <a:avLst/>
+            <a:gdLst/>
+            <a:ahLst/>
+            <a:cxnLst/>
+            <a:rect l="l" t="t" r="r" b="b"/>
+            <a:pathLst>
+              <a:path w="2782369" h="1714635">
+                <a:moveTo>
+                  <a:pt x="0" y="0"/>
+                </a:moveTo>
+                <a:lnTo>
+                  <a:pt x="2782369" y="0"/>
+                </a:lnTo>
+                <a:lnTo>
+                  <a:pt x="2782369" y="1714635"/>
+                </a:lnTo>
+                <a:lnTo>
+                  <a:pt x="0" y="1714635"/>
+                </a:lnTo>
+                <a:lnTo>
+                  <a:pt x="0" y="0"/>
+                </a:lnTo>
+                <a:close/>
+              </a:path>
+            </a:pathLst>
+          </a:custGeom>
+          <a:blipFill>
+            <a:blip r:embed="rId5"/>
+            <a:stretch>
+              <a:fillRect/>
+            </a:stretch>
+          </a:blipFill>
+        </p:spPr>
+      </p:sp>
+      <p:sp>
+        <p:nvSpPr>
+          <p:cNvPr id="7" name="TextBox 3">
+            <a:extLst>
+              <a:ext uri="{FF2B5EF4-FFF2-40B4-BE49-F238E27FC236}">
+                <a16:creationId xmlns:a16="http://schemas.microsoft.com/office/drawing/2014/main" id="{EAC7B9DD-16B6-5F2F-49B3-B5B1587A20E1}"/>
+              </a:ext>
+            </a:extLst>
+          </p:cNvPr>
+          <p:cNvSpPr txBox="1"/>
+          <p:nvPr/>
+        </p:nvSpPr>
+        <p:spPr>
+          <a:xfrm>
+            <a:off x="501360" y="495300"/>
+            <a:ext cx="12304609" cy="1283108"/>
+          </a:xfrm>
+          <a:prstGeom prst="rect">
+            <a:avLst/>
+          </a:prstGeom>
+        </p:spPr>
+        <p:txBody>
+          <a:bodyPr wrap="square" lIns="0" tIns="0" rIns="0" bIns="0" rtlCol="0" anchor="t">
+            <a:spAutoFit/>
+          </a:bodyPr>
+          <a:lstStyle/>
+          <a:p>
+            <a:pPr algn="ctr">
+              <a:lnSpc>
+                <a:spcPts val="10846"/>
+              </a:lnSpc>
+            </a:pPr>
+            <a:r>
+              <a:rPr lang="en-US" sz="7747" b="1" dirty="0">
+                <a:solidFill>
+                  <a:srgbClr val="004AAD"/>
+                </a:solidFill>
+                <a:latin typeface="Gill Sans Display Ultra-Bold"/>
+                <a:ea typeface="Gill Sans Display Ultra-Bold"/>
+                <a:cs typeface="Gill Sans Display Ultra-Bold"/>
+                <a:sym typeface="Gill Sans Display Ultra-Bold"/>
+              </a:rPr>
+              <a:t>Tables and Excel Sheets</a:t>
+            </a:r>
+          </a:p>
+        </p:txBody>
+      </p:sp>
+      <p:sp>
+        <p:nvSpPr>
+          <p:cNvPr id="8" name="TextBox 7">
+            <a:extLst>
+              <a:ext uri="{FF2B5EF4-FFF2-40B4-BE49-F238E27FC236}">
+                <a16:creationId xmlns:a16="http://schemas.microsoft.com/office/drawing/2014/main" id="{159D906F-882F-19B2-3299-C045E5356DF9}"/>
+              </a:ext>
+            </a:extLst>
+          </p:cNvPr>
+          <p:cNvSpPr txBox="1"/>
+          <p:nvPr/>
+        </p:nvSpPr>
+        <p:spPr>
+          <a:xfrm>
+            <a:off x="501360" y="3272012"/>
+            <a:ext cx="9753600" cy="1015663"/>
+          </a:xfrm>
+          <a:prstGeom prst="rect">
+            <a:avLst/>
+          </a:prstGeom>
+          <a:noFill/>
+        </p:spPr>
+        <p:txBody>
+          <a:bodyPr wrap="square" rtlCol="0">
+            <a:spAutoFit/>
+          </a:bodyPr>
+          <a:lstStyle/>
+          <a:p>
+            <a:r>
+              <a:rPr lang="en-US" sz="6000" dirty="0">
+                <a:hlinkClick r:id="rId6" action="ppaction://hlinkfile"/>
+              </a:rPr>
+              <a:t>Cleaned Data Set</a:t>
+            </a:r>
+            <a:endParaRPr lang="en-IN" sz="6000" dirty="0"/>
+          </a:p>
+        </p:txBody>
+      </p:sp>
+      <p:sp>
+        <p:nvSpPr>
+          <p:cNvPr id="9" name="TextBox 8">
+            <a:extLst>
+              <a:ext uri="{FF2B5EF4-FFF2-40B4-BE49-F238E27FC236}">
+                <a16:creationId xmlns:a16="http://schemas.microsoft.com/office/drawing/2014/main" id="{F549F155-8933-7E70-AE6E-2B19604D8FD3}"/>
+              </a:ext>
+            </a:extLst>
+          </p:cNvPr>
+          <p:cNvSpPr txBox="1"/>
+          <p:nvPr/>
+        </p:nvSpPr>
+        <p:spPr>
+          <a:xfrm>
+            <a:off x="381000" y="5559893"/>
+            <a:ext cx="8168234" cy="1015663"/>
+          </a:xfrm>
+          <a:prstGeom prst="rect">
+            <a:avLst/>
+          </a:prstGeom>
+          <a:noFill/>
+        </p:spPr>
+        <p:txBody>
+          <a:bodyPr wrap="square" rtlCol="0">
+            <a:spAutoFit/>
+          </a:bodyPr>
+          <a:lstStyle/>
+          <a:p>
+            <a:r>
+              <a:rPr lang="en-US" sz="6000" dirty="0">
+                <a:hlinkClick r:id="rId7" action="ppaction://hlinkfile"/>
+              </a:rPr>
+              <a:t>Company Water Usage</a:t>
+            </a:r>
+            <a:endParaRPr lang="en-IN" sz="6000" dirty="0"/>
+          </a:p>
+        </p:txBody>
+      </p:sp>
+      <p:sp>
+        <p:nvSpPr>
+          <p:cNvPr id="11" name="TextBox 10">
+            <a:extLst>
+              <a:ext uri="{FF2B5EF4-FFF2-40B4-BE49-F238E27FC236}">
+                <a16:creationId xmlns:a16="http://schemas.microsoft.com/office/drawing/2014/main" id="{CCC8FC23-0218-5E10-B67B-67FDC72E371E}"/>
+              </a:ext>
+            </a:extLst>
+          </p:cNvPr>
+          <p:cNvSpPr txBox="1"/>
+          <p:nvPr/>
+        </p:nvSpPr>
+        <p:spPr>
+          <a:xfrm>
+            <a:off x="7848600" y="3522316"/>
+            <a:ext cx="9266222" cy="1015663"/>
+          </a:xfrm>
+          <a:prstGeom prst="rect">
+            <a:avLst/>
+          </a:prstGeom>
+          <a:noFill/>
+        </p:spPr>
+        <p:txBody>
+          <a:bodyPr wrap="square" rtlCol="0">
+            <a:spAutoFit/>
+          </a:bodyPr>
+          <a:lstStyle/>
+          <a:p>
+            <a:r>
+              <a:rPr lang="en-US" sz="6000" dirty="0">
+                <a:hlinkClick r:id="rId8" action="ppaction://hlinkfile"/>
+              </a:rPr>
+              <a:t>Company Data With Scores</a:t>
+            </a:r>
+            <a:endParaRPr lang="en-IN" sz="6000" dirty="0"/>
+          </a:p>
+        </p:txBody>
+      </p:sp>
+      <p:sp>
+        <p:nvSpPr>
+          <p:cNvPr id="12" name="TextBox 11">
+            <a:extLst>
+              <a:ext uri="{FF2B5EF4-FFF2-40B4-BE49-F238E27FC236}">
+                <a16:creationId xmlns:a16="http://schemas.microsoft.com/office/drawing/2014/main" id="{9C19FF0B-222C-3276-0A13-66A978F9B71F}"/>
+              </a:ext>
+            </a:extLst>
+          </p:cNvPr>
+          <p:cNvSpPr txBox="1"/>
+          <p:nvPr/>
+        </p:nvSpPr>
+        <p:spPr>
+          <a:xfrm>
+            <a:off x="8540886" y="5661476"/>
+            <a:ext cx="7010400" cy="1015663"/>
+          </a:xfrm>
+          <a:prstGeom prst="rect">
+            <a:avLst/>
+          </a:prstGeom>
+          <a:noFill/>
+        </p:spPr>
+        <p:txBody>
+          <a:bodyPr wrap="square" rtlCol="0">
+            <a:spAutoFit/>
+          </a:bodyPr>
+          <a:lstStyle/>
+          <a:p>
+            <a:r>
+              <a:rPr lang="en-US" sz="6000" dirty="0">
+                <a:hlinkClick r:id="rId9" action="ppaction://hlinkfile"/>
+              </a:rPr>
+              <a:t>Simulated Prices</a:t>
+            </a:r>
+            <a:endParaRPr lang="en-IN" sz="6000" dirty="0"/>
+          </a:p>
+        </p:txBody>
+      </p:sp>
+    </p:spTree>
+    <p:extLst>
+      <p:ext uri="{BB962C8B-B14F-4D97-AF65-F5344CB8AC3E}">
+        <p14:creationId xmlns:p14="http://schemas.microsoft.com/office/powerpoint/2010/main" val="1095902311"/>
+      </p:ext>
+    </p:extLst>
+  </p:cSld>
+  <p:clrMapOvr>
+    <a:masterClrMapping/>
+  </p:clrMapOvr>
+</p:sld>
+</file>
+
+<file path=ppt/slides/slide22.xml><?xml version="1.0" encoding="utf-8"?>
 <p:sld xmlns:a="http://schemas.openxmlformats.org/drawingml/2006/main" xmlns:r="http://schemas.openxmlformats.org/officeDocument/2006/relationships" xmlns:p="http://schemas.openxmlformats.org/presentationml/2006/main">
   <p:cSld>
     <p:spTree>
